--- a/Présentation24-02.pptx
+++ b/Présentation24-02.pptx
@@ -109,6 +109,22 @@
       </a:defRPr>
     </a:lvl9pPr>
   </p:defaultTextStyle>
+  <p:extLst>
+    <p:ext uri="{EFAFB233-063F-42B5-8137-9DF3F51BA10A}">
+      <p15:sldGuideLst xmlns:p15="http://schemas.microsoft.com/office/powerpoint/2012/main">
+        <p15:guide id="1" orient="horz" pos="2160">
+          <p15:clr>
+            <a:srgbClr val="A4A3A4"/>
+          </p15:clr>
+        </p15:guide>
+        <p15:guide id="2" pos="2880">
+          <p15:clr>
+            <a:srgbClr val="A4A3A4"/>
+          </p15:clr>
+        </p15:guide>
+      </p15:sldGuideLst>
+    </p:ext>
+  </p:extLst>
 </p:presentation>
 </file>
 
@@ -194,7 +210,7 @@
           <a:p>
             <a:fld id="{1530F0B9-97C7-4213-8F73-378F2DBF41BC}" type="datetimeFigureOut">
               <a:rPr lang="fr-FR" smtClean="0"/>
-              <a:t>24/02/2014</a:t>
+              <a:t>21/03/2014</a:t>
             </a:fld>
             <a:endParaRPr lang="fr-FR"/>
           </a:p>
@@ -643,7 +659,7 @@
           <a:p>
             <a:fld id="{655BE213-4D67-41BE-9A87-80E39B93D7A2}" type="datetime1">
               <a:rPr lang="fr-FR" smtClean="0"/>
-              <a:t>24/02/2014</a:t>
+              <a:t>21/03/2014</a:t>
             </a:fld>
             <a:endParaRPr lang="fr-FR"/>
           </a:p>
@@ -813,7 +829,7 @@
           <a:p>
             <a:fld id="{D35527A6-8DEF-4253-9109-B917F1ACC261}" type="datetime1">
               <a:rPr lang="fr-FR" smtClean="0"/>
-              <a:t>24/02/2014</a:t>
+              <a:t>21/03/2014</a:t>
             </a:fld>
             <a:endParaRPr lang="fr-FR"/>
           </a:p>
@@ -993,7 +1009,7 @@
           <a:p>
             <a:fld id="{96591072-E4E0-4103-A365-69E779FDC436}" type="datetime1">
               <a:rPr lang="fr-FR" smtClean="0"/>
-              <a:t>24/02/2014</a:t>
+              <a:t>21/03/2014</a:t>
             </a:fld>
             <a:endParaRPr lang="fr-FR"/>
           </a:p>
@@ -1163,7 +1179,7 @@
           <a:p>
             <a:fld id="{F8111049-448B-4B39-AF2E-514D8E87514E}" type="datetime1">
               <a:rPr lang="fr-FR" smtClean="0"/>
-              <a:t>24/02/2014</a:t>
+              <a:t>21/03/2014</a:t>
             </a:fld>
             <a:endParaRPr lang="fr-FR"/>
           </a:p>
@@ -1409,7 +1425,7 @@
           <a:p>
             <a:fld id="{6DB5C17A-A0E7-4E9F-B305-DF0A166735DB}" type="datetime1">
               <a:rPr lang="fr-FR" smtClean="0"/>
-              <a:t>24/02/2014</a:t>
+              <a:t>21/03/2014</a:t>
             </a:fld>
             <a:endParaRPr lang="fr-FR"/>
           </a:p>
@@ -1697,7 +1713,7 @@
           <a:p>
             <a:fld id="{8DAD23BF-F203-4520-BEB2-084EFB7AB293}" type="datetime1">
               <a:rPr lang="fr-FR" smtClean="0"/>
-              <a:t>24/02/2014</a:t>
+              <a:t>21/03/2014</a:t>
             </a:fld>
             <a:endParaRPr lang="fr-FR"/>
           </a:p>
@@ -2119,7 +2135,7 @@
           <a:p>
             <a:fld id="{CBF5E118-1E72-40A5-B129-8DE26652F557}" type="datetime1">
               <a:rPr lang="fr-FR" smtClean="0"/>
-              <a:t>24/02/2014</a:t>
+              <a:t>21/03/2014</a:t>
             </a:fld>
             <a:endParaRPr lang="fr-FR"/>
           </a:p>
@@ -2237,7 +2253,7 @@
           <a:p>
             <a:fld id="{05C4460F-3422-4326-9CB2-3D32CBE17D9D}" type="datetime1">
               <a:rPr lang="fr-FR" smtClean="0"/>
-              <a:t>24/02/2014</a:t>
+              <a:t>21/03/2014</a:t>
             </a:fld>
             <a:endParaRPr lang="fr-FR"/>
           </a:p>
@@ -2332,7 +2348,7 @@
           <a:p>
             <a:fld id="{CC010245-F67A-4260-9072-31B5387B879D}" type="datetime1">
               <a:rPr lang="fr-FR" smtClean="0"/>
-              <a:t>24/02/2014</a:t>
+              <a:t>21/03/2014</a:t>
             </a:fld>
             <a:endParaRPr lang="fr-FR"/>
           </a:p>
@@ -2609,7 +2625,7 @@
           <a:p>
             <a:fld id="{752C96EC-003B-4741-AE9D-58D80EED6E06}" type="datetime1">
               <a:rPr lang="fr-FR" smtClean="0"/>
-              <a:t>24/02/2014</a:t>
+              <a:t>21/03/2014</a:t>
             </a:fld>
             <a:endParaRPr lang="fr-FR"/>
           </a:p>
@@ -2862,7 +2878,7 @@
           <a:p>
             <a:fld id="{720212FB-00C9-4CAD-B44D-1E749F14C9ED}" type="datetime1">
               <a:rPr lang="fr-FR" smtClean="0"/>
-              <a:t>24/02/2014</a:t>
+              <a:t>21/03/2014</a:t>
             </a:fld>
             <a:endParaRPr lang="fr-FR"/>
           </a:p>
@@ -3075,7 +3091,7 @@
           <a:p>
             <a:fld id="{BE92C1DE-C40D-4F96-9B48-60DC13FA280E}" type="datetime1">
               <a:rPr lang="fr-FR" smtClean="0"/>
-              <a:t>24/02/2014</a:t>
+              <a:t>21/03/2014</a:t>
             </a:fld>
             <a:endParaRPr lang="fr-FR"/>
           </a:p>
@@ -3475,13 +3491,7 @@
               <a:rPr lang="fr-FR" dirty="0" smtClean="0">
                 <a:latin typeface="Cambria" panose="02040503050406030204" pitchFamily="18" charset="0"/>
               </a:rPr>
-              <a:t>Présentation (</a:t>
-            </a:r>
-            <a:r>
-              <a:rPr lang="fr-FR" dirty="0" smtClean="0">
-                <a:latin typeface="Cambria" panose="02040503050406030204" pitchFamily="18" charset="0"/>
-              </a:rPr>
-              <a:t>24/02)</a:t>
+              <a:t>Présentation (24/02)</a:t>
             </a:r>
             <a:endParaRPr lang="fr-FR" dirty="0">
               <a:latin typeface="Cambria" panose="02040503050406030204" pitchFamily="18" charset="0"/>
@@ -3690,13 +3700,62 @@
           <a:p>
             <a:pPr algn="r"/>
             <a:r>
+              <a:rPr lang="fr-FR" dirty="0"/>
+              <a:t>M. DEBAS Thomas </a:t>
+            </a:r>
+            <a:endParaRPr lang="fr-FR" dirty="0" smtClean="0"/>
+          </a:p>
+          <a:p>
+            <a:pPr algn="r"/>
+            <a:r>
+              <a:rPr lang="fr-FR" dirty="0"/>
+              <a:t>M. DESZCZ Sébastien </a:t>
+            </a:r>
+            <a:endParaRPr lang="fr-FR" dirty="0" smtClean="0"/>
+          </a:p>
+          <a:p>
+            <a:pPr algn="r"/>
+            <a:r>
+              <a:rPr lang="fr-FR" dirty="0"/>
+              <a:t>M. JAGOURY Matthieu </a:t>
+            </a:r>
+            <a:endParaRPr lang="fr-FR" dirty="0" smtClean="0"/>
+          </a:p>
+          <a:p>
+            <a:pPr algn="r"/>
+            <a:r>
+              <a:rPr lang="fr-FR" dirty="0"/>
+              <a:t>M. MAURICE Rémy </a:t>
+            </a:r>
+            <a:endParaRPr lang="fr-FR" dirty="0" smtClean="0"/>
+          </a:p>
+          <a:p>
+            <a:pPr algn="r"/>
+            <a:r>
+              <a:rPr lang="fr-FR" dirty="0" smtClean="0"/>
+              <a:t>M</a:t>
+            </a:r>
+            <a:r>
+              <a:rPr lang="fr-FR" dirty="0"/>
+              <a:t>. MEURILLON </a:t>
+            </a:r>
+            <a:r>
+              <a:rPr lang="fr-FR" dirty="0" smtClean="0"/>
+              <a:t>Grégoire</a:t>
+            </a:r>
+            <a:endParaRPr lang="fr-FR" dirty="0" smtClean="0"/>
+          </a:p>
+          <a:p>
+            <a:pPr algn="r"/>
+            <a:r>
               <a:rPr lang="fr-FR" dirty="0" smtClean="0"/>
               <a:t>Mlle</a:t>
             </a:r>
             <a:r>
               <a:rPr lang="fr-FR" dirty="0"/>
-              <a:t>. STALTER Marianne                                                                                                                                                                 M. MEURILLON Grégoire                                                                                                                                                                                                                                                                                                                                      M. JAGOURY Matthieu                                                                                  M. DESZCZ Sébastien                                                                                    M. MAURICE Rémy                                                                                        M. DEBAS Thomas </a:t>
-            </a:r>
+              <a:t>. STALTER Marianne </a:t>
+            </a:r>
+            <a:endParaRPr lang="fr-FR" dirty="0"/>
           </a:p>
         </p:txBody>
       </p:sp>
@@ -3793,11 +3852,7 @@
           <a:p>
             <a:r>
               <a:rPr lang="fr-FR" dirty="0" smtClean="0"/>
-              <a:t>Lot 2 : </a:t>
-            </a:r>
-            <a:r>
-              <a:rPr lang="fr-FR" dirty="0" smtClean="0"/>
-              <a:t>Fini</a:t>
+              <a:t>Lot 2 : Fini</a:t>
             </a:r>
           </a:p>
           <a:p>
@@ -3967,11 +4022,7 @@
           <a:p>
             <a:r>
               <a:rPr lang="fr-FR" dirty="0" smtClean="0"/>
-              <a:t>Lot </a:t>
-            </a:r>
-            <a:r>
-              <a:rPr lang="fr-FR" dirty="0" smtClean="0"/>
-              <a:t>3 :</a:t>
+              <a:t>Lot 3 :</a:t>
             </a:r>
           </a:p>
           <a:p>
@@ -3994,7 +4045,6 @@
               <a:rPr lang="fr-FR" dirty="0" smtClean="0"/>
               <a:t>Guide pour utilisateur</a:t>
             </a:r>
-            <a:endParaRPr lang="fr-FR" dirty="0" smtClean="0"/>
           </a:p>
         </p:txBody>
       </p:sp>
